--- a/outils_numeriques/b0_intro/B0_0_Outils_Methodes.pptx
+++ b/outils_numeriques/b0_intro/B0_0_Outils_Methodes.pptx
@@ -290,7 +290,7 @@
           <a:p>
             <a:fld id="{02AC24A9-CCB6-4F8D-B8DB-C2F3692CFA5A}" type="datetimeFigureOut">
               <a:rPr lang="en-US" smtClean="0"/>
-              <a:t>4/25/2023</a:t>
+              <a:t>5/5/2023</a:t>
             </a:fld>
             <a:endParaRPr lang="en-US" dirty="0"/>
           </a:p>
@@ -660,7 +660,7 @@
           <a:p>
             <a:fld id="{02AC24A9-CCB6-4F8D-B8DB-C2F3692CFA5A}" type="datetimeFigureOut">
               <a:rPr lang="en-US" smtClean="0"/>
-              <a:t>4/25/2023</a:t>
+              <a:t>5/5/2023</a:t>
             </a:fld>
             <a:endParaRPr lang="en-US"/>
           </a:p>
@@ -869,7 +869,7 @@
           <a:p>
             <a:fld id="{02AC24A9-CCB6-4F8D-B8DB-C2F3692CFA5A}" type="datetimeFigureOut">
               <a:rPr lang="en-US" smtClean="0"/>
-              <a:t>4/25/2023</a:t>
+              <a:t>5/5/2023</a:t>
             </a:fld>
             <a:endParaRPr lang="en-US"/>
           </a:p>
@@ -1339,7 +1339,7 @@
           <a:p>
             <a:fld id="{02AC24A9-CCB6-4F8D-B8DB-C2F3692CFA5A}" type="datetimeFigureOut">
               <a:rPr lang="en-US" smtClean="0"/>
-              <a:t>4/25/2023</a:t>
+              <a:t>5/5/2023</a:t>
             </a:fld>
             <a:endParaRPr lang="en-US"/>
           </a:p>
@@ -1793,7 +1793,7 @@
           <a:p>
             <a:fld id="{02AC24A9-CCB6-4F8D-B8DB-C2F3692CFA5A}" type="datetimeFigureOut">
               <a:rPr lang="en-US" smtClean="0"/>
-              <a:t>4/25/2023</a:t>
+              <a:t>5/5/2023</a:t>
             </a:fld>
             <a:endParaRPr lang="en-US"/>
           </a:p>
@@ -2325,7 +2325,7 @@
           <a:p>
             <a:fld id="{02AC24A9-CCB6-4F8D-B8DB-C2F3692CFA5A}" type="datetimeFigureOut">
               <a:rPr lang="en-US" smtClean="0"/>
-              <a:t>4/25/2023</a:t>
+              <a:t>5/5/2023</a:t>
             </a:fld>
             <a:endParaRPr lang="en-US"/>
           </a:p>
@@ -3024,7 +3024,7 @@
           <a:p>
             <a:fld id="{02AC24A9-CCB6-4F8D-B8DB-C2F3692CFA5A}" type="datetimeFigureOut">
               <a:rPr lang="en-US" smtClean="0"/>
-              <a:t>4/25/2023</a:t>
+              <a:t>5/5/2023</a:t>
             </a:fld>
             <a:endParaRPr lang="en-US"/>
           </a:p>
@@ -3353,7 +3353,7 @@
           <a:p>
             <a:fld id="{02AC24A9-CCB6-4F8D-B8DB-C2F3692CFA5A}" type="datetimeFigureOut">
               <a:rPr lang="en-US" smtClean="0"/>
-              <a:t>4/25/2023</a:t>
+              <a:t>5/5/2023</a:t>
             </a:fld>
             <a:endParaRPr lang="en-US"/>
           </a:p>
@@ -3466,7 +3466,7 @@
           <a:p>
             <a:fld id="{02AC24A9-CCB6-4F8D-B8DB-C2F3692CFA5A}" type="datetimeFigureOut">
               <a:rPr lang="en-US" smtClean="0"/>
-              <a:t>4/25/2023</a:t>
+              <a:t>5/5/2023</a:t>
             </a:fld>
             <a:endParaRPr lang="en-US"/>
           </a:p>
@@ -3961,7 +3961,7 @@
           <a:p>
             <a:fld id="{02AC24A9-CCB6-4F8D-B8DB-C2F3692CFA5A}" type="datetimeFigureOut">
               <a:rPr lang="en-US" smtClean="0"/>
-              <a:t>4/25/2023</a:t>
+              <a:t>5/5/2023</a:t>
             </a:fld>
             <a:endParaRPr lang="en-US" dirty="0"/>
           </a:p>
@@ -4438,7 +4438,7 @@
           <a:p>
             <a:fld id="{02AC24A9-CCB6-4F8D-B8DB-C2F3692CFA5A}" type="datetimeFigureOut">
               <a:rPr lang="en-US" smtClean="0"/>
-              <a:t>4/25/2023</a:t>
+              <a:t>5/5/2023</a:t>
             </a:fld>
             <a:endParaRPr lang="en-US"/>
           </a:p>
@@ -4681,7 +4681,7 @@
           <a:p>
             <a:fld id="{02AC24A9-CCB6-4F8D-B8DB-C2F3692CFA5A}" type="datetimeFigureOut">
               <a:rPr lang="en-US" smtClean="0"/>
-              <a:t>4/25/2023</a:t>
+              <a:t>5/5/2023</a:t>
             </a:fld>
             <a:endParaRPr lang="en-US"/>
           </a:p>

--- a/outils_numeriques/b0_intro/B0_0_Outils_Methodes.pptx
+++ b/outils_numeriques/b0_intro/B0_0_Outils_Methodes.pptx
@@ -290,7 +290,7 @@
           <a:p>
             <a:fld id="{02AC24A9-CCB6-4F8D-B8DB-C2F3692CFA5A}" type="datetimeFigureOut">
               <a:rPr lang="en-US" smtClean="0"/>
-              <a:t>5/5/2023</a:t>
+              <a:t>6/21/2023</a:t>
             </a:fld>
             <a:endParaRPr lang="en-US" dirty="0"/>
           </a:p>
@@ -660,7 +660,7 @@
           <a:p>
             <a:fld id="{02AC24A9-CCB6-4F8D-B8DB-C2F3692CFA5A}" type="datetimeFigureOut">
               <a:rPr lang="en-US" smtClean="0"/>
-              <a:t>5/5/2023</a:t>
+              <a:t>6/21/2023</a:t>
             </a:fld>
             <a:endParaRPr lang="en-US"/>
           </a:p>
@@ -869,7 +869,7 @@
           <a:p>
             <a:fld id="{02AC24A9-CCB6-4F8D-B8DB-C2F3692CFA5A}" type="datetimeFigureOut">
               <a:rPr lang="en-US" smtClean="0"/>
-              <a:t>5/5/2023</a:t>
+              <a:t>6/21/2023</a:t>
             </a:fld>
             <a:endParaRPr lang="en-US"/>
           </a:p>
@@ -1339,7 +1339,7 @@
           <a:p>
             <a:fld id="{02AC24A9-CCB6-4F8D-B8DB-C2F3692CFA5A}" type="datetimeFigureOut">
               <a:rPr lang="en-US" smtClean="0"/>
-              <a:t>5/5/2023</a:t>
+              <a:t>6/21/2023</a:t>
             </a:fld>
             <a:endParaRPr lang="en-US"/>
           </a:p>
@@ -1793,7 +1793,7 @@
           <a:p>
             <a:fld id="{02AC24A9-CCB6-4F8D-B8DB-C2F3692CFA5A}" type="datetimeFigureOut">
               <a:rPr lang="en-US" smtClean="0"/>
-              <a:t>5/5/2023</a:t>
+              <a:t>6/21/2023</a:t>
             </a:fld>
             <a:endParaRPr lang="en-US"/>
           </a:p>
@@ -2325,7 +2325,7 @@
           <a:p>
             <a:fld id="{02AC24A9-CCB6-4F8D-B8DB-C2F3692CFA5A}" type="datetimeFigureOut">
               <a:rPr lang="en-US" smtClean="0"/>
-              <a:t>5/5/2023</a:t>
+              <a:t>6/21/2023</a:t>
             </a:fld>
             <a:endParaRPr lang="en-US"/>
           </a:p>
@@ -3024,7 +3024,7 @@
           <a:p>
             <a:fld id="{02AC24A9-CCB6-4F8D-B8DB-C2F3692CFA5A}" type="datetimeFigureOut">
               <a:rPr lang="en-US" smtClean="0"/>
-              <a:t>5/5/2023</a:t>
+              <a:t>6/21/2023</a:t>
             </a:fld>
             <a:endParaRPr lang="en-US"/>
           </a:p>
@@ -3353,7 +3353,7 @@
           <a:p>
             <a:fld id="{02AC24A9-CCB6-4F8D-B8DB-C2F3692CFA5A}" type="datetimeFigureOut">
               <a:rPr lang="en-US" smtClean="0"/>
-              <a:t>5/5/2023</a:t>
+              <a:t>6/21/2023</a:t>
             </a:fld>
             <a:endParaRPr lang="en-US"/>
           </a:p>
@@ -3466,7 +3466,7 @@
           <a:p>
             <a:fld id="{02AC24A9-CCB6-4F8D-B8DB-C2F3692CFA5A}" type="datetimeFigureOut">
               <a:rPr lang="en-US" smtClean="0"/>
-              <a:t>5/5/2023</a:t>
+              <a:t>6/21/2023</a:t>
             </a:fld>
             <a:endParaRPr lang="en-US"/>
           </a:p>
@@ -3961,7 +3961,7 @@
           <a:p>
             <a:fld id="{02AC24A9-CCB6-4F8D-B8DB-C2F3692CFA5A}" type="datetimeFigureOut">
               <a:rPr lang="en-US" smtClean="0"/>
-              <a:t>5/5/2023</a:t>
+              <a:t>6/21/2023</a:t>
             </a:fld>
             <a:endParaRPr lang="en-US" dirty="0"/>
           </a:p>
@@ -4438,7 +4438,7 @@
           <a:p>
             <a:fld id="{02AC24A9-CCB6-4F8D-B8DB-C2F3692CFA5A}" type="datetimeFigureOut">
               <a:rPr lang="en-US" smtClean="0"/>
-              <a:t>5/5/2023</a:t>
+              <a:t>6/21/2023</a:t>
             </a:fld>
             <a:endParaRPr lang="en-US"/>
           </a:p>
@@ -4681,7 +4681,7 @@
           <a:p>
             <a:fld id="{02AC24A9-CCB6-4F8D-B8DB-C2F3692CFA5A}" type="datetimeFigureOut">
               <a:rPr lang="en-US" smtClean="0"/>
-              <a:t>5/5/2023</a:t>
+              <a:t>6/21/2023</a:t>
             </a:fld>
             <a:endParaRPr lang="en-US"/>
           </a:p>
@@ -5305,7 +5305,9 @@
           <a:lstStyle/>
           <a:p>
             <a:r>
-              <a:rPr lang="fr-FR" sz="4800" dirty="0"/>
+              <a:rPr lang="fr-FR" sz="4800" dirty="0">
+                <a:latin typeface="Bahnschrift SemiBold" panose="020B0502040204020203" pitchFamily="34" charset="0"/>
+              </a:rPr>
               <a:t>Outils numériques, pour quoi faire ?</a:t>
             </a:r>
           </a:p>
@@ -5340,8 +5342,10 @@
           <a:lstStyle/>
           <a:p>
             <a:r>
-              <a:rPr lang="fr-FR" sz="2000" dirty="0"/>
-              <a:t>Outils Numériques / Semestre 5 / Institut d’Optique / B1_0</a:t>
+              <a:rPr lang="fr-FR" sz="2000" dirty="0">
+                <a:latin typeface="Bahnschrift Light" panose="020B0502040204020203" pitchFamily="34" charset="0"/>
+              </a:rPr>
+              <a:t>Outils Numériques / Semestre 5 Institut d’Optique / B1_0</a:t>
             </a:r>
           </a:p>
         </p:txBody>
@@ -6732,7 +6736,9 @@
           <a:lstStyle/>
           <a:p>
             <a:r>
-              <a:rPr lang="fr-FR" sz="4800" dirty="0"/>
+              <a:rPr lang="fr-FR" sz="4800" dirty="0">
+                <a:latin typeface="Bahnschrift SemiBold" panose="020B0502040204020203" pitchFamily="34" charset="0"/>
+              </a:rPr>
               <a:t>Outils de travail</a:t>
             </a:r>
           </a:p>
@@ -6767,8 +6773,10 @@
           <a:lstStyle/>
           <a:p>
             <a:r>
-              <a:rPr lang="fr-FR" sz="2000" dirty="0"/>
-              <a:t>Outils Numériques / Semestre 5 / Institut d’Optique / B1_0</a:t>
+              <a:rPr lang="fr-FR" sz="2000" dirty="0">
+                <a:latin typeface="Bahnschrift Light" panose="020B0502040204020203" pitchFamily="34" charset="0"/>
+              </a:rPr>
+              <a:t>Outils Numériques / Semestre 5 Institut d’Optique / B1_0</a:t>
             </a:r>
           </a:p>
         </p:txBody>
@@ -7935,14 +7943,20 @@
           <a:lstStyle/>
           <a:p>
             <a:r>
-              <a:rPr lang="fr-FR" sz="4800" dirty="0"/>
+              <a:rPr lang="fr-FR" sz="4800" dirty="0">
+                <a:latin typeface="Bahnschrift SemiBold" panose="020B0502040204020203" pitchFamily="34" charset="0"/>
+              </a:rPr>
               <a:t>GIT et </a:t>
             </a:r>
             <a:r>
-              <a:rPr lang="fr-FR" sz="4800" dirty="0" err="1"/>
+              <a:rPr lang="fr-FR" sz="4800" dirty="0" err="1">
+                <a:latin typeface="Bahnschrift SemiBold" panose="020B0502040204020203" pitchFamily="34" charset="0"/>
+              </a:rPr>
               <a:t>versionning</a:t>
             </a:r>
-            <a:endParaRPr lang="fr-FR" sz="4800" dirty="0"/>
+            <a:endParaRPr lang="fr-FR" sz="4800" dirty="0">
+              <a:latin typeface="Bahnschrift SemiBold" panose="020B0502040204020203" pitchFamily="34" charset="0"/>
+            </a:endParaRPr>
           </a:p>
         </p:txBody>
       </p:sp>
@@ -7975,8 +7989,10 @@
           <a:lstStyle/>
           <a:p>
             <a:r>
-              <a:rPr lang="fr-FR" sz="2000" dirty="0"/>
-              <a:t>Outils Numériques / Semestre 5 / Institut d’Optique / B1_0</a:t>
+              <a:rPr lang="fr-FR" sz="2000" dirty="0">
+                <a:latin typeface="Bahnschrift Light" panose="020B0502040204020203" pitchFamily="34" charset="0"/>
+              </a:rPr>
+              <a:t>Outils Numériques / Semestre 5 Institut d’Optique / B1_0</a:t>
             </a:r>
           </a:p>
         </p:txBody>
@@ -11052,7 +11068,9 @@
           <a:lstStyle/>
           <a:p>
             <a:r>
-              <a:rPr lang="fr-FR" sz="4800" dirty="0"/>
+              <a:rPr lang="fr-FR" sz="4800" dirty="0">
+                <a:latin typeface="Bahnschrift SemiBold" panose="020B0502040204020203" pitchFamily="34" charset="0"/>
+              </a:rPr>
               <a:t>Méthodes de travail</a:t>
             </a:r>
           </a:p>
@@ -11087,8 +11105,10 @@
           <a:lstStyle/>
           <a:p>
             <a:r>
-              <a:rPr lang="fr-FR" sz="2000" dirty="0"/>
-              <a:t>Outils Numériques / Semestre 5 / Institut d’Optique / B1_0</a:t>
+              <a:rPr lang="fr-FR" sz="2000" dirty="0">
+                <a:latin typeface="Bahnschrift Light" panose="020B0502040204020203" pitchFamily="34" charset="0"/>
+              </a:rPr>
+              <a:t>Outils Numériques / Semestre 5 Institut d’Optique / B1_0</a:t>
             </a:r>
           </a:p>
         </p:txBody>
@@ -13082,14 +13102,20 @@
           <a:lstStyle/>
           <a:p>
             <a:r>
-              <a:rPr lang="fr-FR" sz="4800" dirty="0"/>
+              <a:rPr lang="fr-FR" sz="4800" dirty="0">
+                <a:latin typeface="Bahnschrift SemiBold" panose="020B0502040204020203" pitchFamily="34" charset="0"/>
+              </a:rPr>
               <a:t>Outils Numériques pour l’</a:t>
             </a:r>
             <a:r>
-              <a:rPr lang="fr-FR" sz="4800" dirty="0" err="1"/>
+              <a:rPr lang="fr-FR" sz="4800" dirty="0" err="1">
+                <a:latin typeface="Bahnschrift SemiBold" panose="020B0502040204020203" pitchFamily="34" charset="0"/>
+              </a:rPr>
               <a:t>Ingénieur.e</a:t>
             </a:r>
-            <a:endParaRPr lang="fr-FR" sz="4800" dirty="0"/>
+            <a:endParaRPr lang="fr-FR" sz="4800" dirty="0">
+              <a:latin typeface="Bahnschrift SemiBold" panose="020B0502040204020203" pitchFamily="34" charset="0"/>
+            </a:endParaRPr>
           </a:p>
         </p:txBody>
       </p:sp>
@@ -13122,8 +13148,10 @@
           <a:lstStyle/>
           <a:p>
             <a:r>
-              <a:rPr lang="fr-FR" sz="2000" dirty="0"/>
-              <a:t>Outils Numériques / Semestre 5 / Institut d’Optique / B1_0</a:t>
+              <a:rPr lang="fr-FR" sz="2000" dirty="0">
+                <a:latin typeface="Bahnschrift Light" panose="020B0502040204020203" pitchFamily="34" charset="0"/>
+              </a:rPr>
+              <a:t>Outils Numériques / Semestre 5 Institut d’Optique / B1_0</a:t>
             </a:r>
           </a:p>
         </p:txBody>

--- a/outils_numeriques/b0_intro/B0_0_Outils_Methodes.pptx
+++ b/outils_numeriques/b0_intro/B0_0_Outils_Methodes.pptx
@@ -6093,7 +6093,7 @@
                 <a:latin typeface="Trebuchet MS"/>
                 <a:ea typeface="Trebuchet MS"/>
               </a:rPr>
-              <a:t>Traitement de données 1D</a:t>
+              <a:t>Traitement de données 2D</a:t>
             </a:r>
             <a:endParaRPr lang="fr-FR" sz="2000" b="0" strike="noStrike" spc="-1" dirty="0">
               <a:latin typeface="Arial"/>
@@ -6165,7 +6165,7 @@
                 <a:latin typeface="Trebuchet MS"/>
                 <a:ea typeface="Trebuchet MS"/>
               </a:rPr>
-              <a:t>Traitement de données 2D</a:t>
+              <a:t>Traitement de données 1D</a:t>
             </a:r>
             <a:endParaRPr lang="fr-FR" sz="2000" b="0" strike="noStrike" spc="-1" dirty="0">
               <a:latin typeface="Arial"/>
@@ -6436,7 +6436,7 @@
         <p:spPr>
           <a:xfrm>
             <a:off x="7300845" y="4275189"/>
-            <a:ext cx="3464226" cy="584775"/>
+            <a:ext cx="3464226" cy="830997"/>
           </a:xfrm>
           <a:prstGeom prst="rect">
             <a:avLst/>
@@ -6455,7 +6455,7 @@
             </a:r>
             <a:r>
               <a:rPr lang="fr-FR" sz="1600" dirty="0"/>
-              <a:t> : signal modulé en amplitude / acquisition numérique</a:t>
+              <a:t> : images d’un faisceau LASER en différents points d’un chemin optique</a:t>
             </a:r>
           </a:p>
         </p:txBody>
@@ -6475,7 +6475,7 @@
         <p:spPr>
           <a:xfrm>
             <a:off x="7300845" y="5669945"/>
-            <a:ext cx="3464226" cy="830997"/>
+            <a:ext cx="3464226" cy="584775"/>
           </a:xfrm>
           <a:prstGeom prst="rect">
             <a:avLst/>
@@ -6494,7 +6494,7 @@
             </a:r>
             <a:r>
               <a:rPr lang="fr-FR" sz="1600" dirty="0"/>
-              <a:t> : images d’un faisceau LASER en différents points d’un chemin optique</a:t>
+              <a:t> : signal modulé en amplitude / acquisition numérique</a:t>
             </a:r>
           </a:p>
         </p:txBody>

--- a/outils_numeriques/b0_intro/B0_0_Outils_Methodes.pptx
+++ b/outils_numeriques/b0_intro/B0_0_Outils_Methodes.pptx
@@ -290,7 +290,7 @@
           <a:p>
             <a:fld id="{02AC24A9-CCB6-4F8D-B8DB-C2F3692CFA5A}" type="datetimeFigureOut">
               <a:rPr lang="en-US" smtClean="0"/>
-              <a:t>6/21/2023</a:t>
+              <a:t>7/10/2023</a:t>
             </a:fld>
             <a:endParaRPr lang="en-US" dirty="0"/>
           </a:p>
@@ -660,7 +660,7 @@
           <a:p>
             <a:fld id="{02AC24A9-CCB6-4F8D-B8DB-C2F3692CFA5A}" type="datetimeFigureOut">
               <a:rPr lang="en-US" smtClean="0"/>
-              <a:t>6/21/2023</a:t>
+              <a:t>7/10/2023</a:t>
             </a:fld>
             <a:endParaRPr lang="en-US"/>
           </a:p>
@@ -869,7 +869,7 @@
           <a:p>
             <a:fld id="{02AC24A9-CCB6-4F8D-B8DB-C2F3692CFA5A}" type="datetimeFigureOut">
               <a:rPr lang="en-US" smtClean="0"/>
-              <a:t>6/21/2023</a:t>
+              <a:t>7/10/2023</a:t>
             </a:fld>
             <a:endParaRPr lang="en-US"/>
           </a:p>
@@ -1339,7 +1339,7 @@
           <a:p>
             <a:fld id="{02AC24A9-CCB6-4F8D-B8DB-C2F3692CFA5A}" type="datetimeFigureOut">
               <a:rPr lang="en-US" smtClean="0"/>
-              <a:t>6/21/2023</a:t>
+              <a:t>7/10/2023</a:t>
             </a:fld>
             <a:endParaRPr lang="en-US"/>
           </a:p>
@@ -1793,7 +1793,7 @@
           <a:p>
             <a:fld id="{02AC24A9-CCB6-4F8D-B8DB-C2F3692CFA5A}" type="datetimeFigureOut">
               <a:rPr lang="en-US" smtClean="0"/>
-              <a:t>6/21/2023</a:t>
+              <a:t>7/10/2023</a:t>
             </a:fld>
             <a:endParaRPr lang="en-US"/>
           </a:p>
@@ -2325,7 +2325,7 @@
           <a:p>
             <a:fld id="{02AC24A9-CCB6-4F8D-B8DB-C2F3692CFA5A}" type="datetimeFigureOut">
               <a:rPr lang="en-US" smtClean="0"/>
-              <a:t>6/21/2023</a:t>
+              <a:t>7/10/2023</a:t>
             </a:fld>
             <a:endParaRPr lang="en-US"/>
           </a:p>
@@ -3024,7 +3024,7 @@
           <a:p>
             <a:fld id="{02AC24A9-CCB6-4F8D-B8DB-C2F3692CFA5A}" type="datetimeFigureOut">
               <a:rPr lang="en-US" smtClean="0"/>
-              <a:t>6/21/2023</a:t>
+              <a:t>7/10/2023</a:t>
             </a:fld>
             <a:endParaRPr lang="en-US"/>
           </a:p>
@@ -3353,7 +3353,7 @@
           <a:p>
             <a:fld id="{02AC24A9-CCB6-4F8D-B8DB-C2F3692CFA5A}" type="datetimeFigureOut">
               <a:rPr lang="en-US" smtClean="0"/>
-              <a:t>6/21/2023</a:t>
+              <a:t>7/10/2023</a:t>
             </a:fld>
             <a:endParaRPr lang="en-US"/>
           </a:p>
@@ -3466,7 +3466,7 @@
           <a:p>
             <a:fld id="{02AC24A9-CCB6-4F8D-B8DB-C2F3692CFA5A}" type="datetimeFigureOut">
               <a:rPr lang="en-US" smtClean="0"/>
-              <a:t>6/21/2023</a:t>
+              <a:t>7/10/2023</a:t>
             </a:fld>
             <a:endParaRPr lang="en-US"/>
           </a:p>
@@ -3961,7 +3961,7 @@
           <a:p>
             <a:fld id="{02AC24A9-CCB6-4F8D-B8DB-C2F3692CFA5A}" type="datetimeFigureOut">
               <a:rPr lang="en-US" smtClean="0"/>
-              <a:t>6/21/2023</a:t>
+              <a:t>7/10/2023</a:t>
             </a:fld>
             <a:endParaRPr lang="en-US" dirty="0"/>
           </a:p>
@@ -4438,7 +4438,7 @@
           <a:p>
             <a:fld id="{02AC24A9-CCB6-4F8D-B8DB-C2F3692CFA5A}" type="datetimeFigureOut">
               <a:rPr lang="en-US" smtClean="0"/>
-              <a:t>6/21/2023</a:t>
+              <a:t>7/10/2023</a:t>
             </a:fld>
             <a:endParaRPr lang="en-US"/>
           </a:p>
@@ -4681,7 +4681,7 @@
           <a:p>
             <a:fld id="{02AC24A9-CCB6-4F8D-B8DB-C2F3692CFA5A}" type="datetimeFigureOut">
               <a:rPr lang="en-US" smtClean="0"/>
-              <a:t>6/21/2023</a:t>
+              <a:t>7/10/2023</a:t>
             </a:fld>
             <a:endParaRPr lang="en-US"/>
           </a:p>
@@ -13464,37 +13464,37 @@
           <a:lstStyle/>
           <a:p>
             <a:r>
-              <a:rPr lang="fr-FR" i="1" dirty="0">
+              <a:rPr lang="fr-FR" dirty="0">
                 <a:effectLst/>
               </a:rPr>
               <a:t>Construire une </a:t>
             </a:r>
             <a:r>
-              <a:rPr lang="fr-FR" b="1" i="1" dirty="0">
+              <a:rPr lang="fr-FR" b="1" dirty="0">
                 <a:effectLst/>
               </a:rPr>
               <a:t>boite à outils </a:t>
             </a:r>
             <a:r>
-              <a:rPr lang="fr-FR" i="1" dirty="0">
+              <a:rPr lang="fr-FR" dirty="0">
                 <a:effectLst/>
               </a:rPr>
               <a:t>de </a:t>
             </a:r>
             <a:r>
-              <a:rPr lang="fr-FR" b="1" i="1" dirty="0">
+              <a:rPr lang="fr-FR" b="1" dirty="0">
                 <a:effectLst/>
               </a:rPr>
               <a:t>méthodes numériques </a:t>
             </a:r>
             <a:r>
-              <a:rPr lang="fr-FR" i="1" dirty="0">
+              <a:rPr lang="fr-FR" dirty="0">
                 <a:effectLst/>
               </a:rPr>
               <a:t>pour de futur.es </a:t>
             </a:r>
             <a:r>
-              <a:rPr lang="fr-FR" b="1" i="1" dirty="0">
+              <a:rPr lang="fr-FR" b="1" dirty="0">
                 <a:effectLst/>
               </a:rPr>
               <a:t>ingénieur.es en physique</a:t>
